--- a/마이다스 it(구).pptx
+++ b/마이다스 it(구).pptx
@@ -120,6 +120,43 @@
 </p:presentation>
 </file>
 
+<file path=ppt/changesInfos/changesInfo1.xml><?xml version="1.0" encoding="utf-8"?>
+<pc:chgInfo xmlns:a="http://schemas.openxmlformats.org/drawingml/2006/main" xmlns:r="http://schemas.openxmlformats.org/officeDocument/2006/relationships" xmlns:ac="http://schemas.microsoft.com/office/drawing/2013/main/command" xmlns:pc="http://schemas.microsoft.com/office/powerpoint/2013/main/command">
+  <pc:docChgLst>
+    <pc:chgData userId="123c3b8313b137e3" providerId="LiveId" clId="{5A112846-A06A-4136-AA17-9CC15FD52E5B}"/>
+    <pc:docChg chg="modSld">
+      <pc:chgData name="" userId="123c3b8313b137e3" providerId="LiveId" clId="{5A112846-A06A-4136-AA17-9CC15FD52E5B}" dt="2021-06-14T00:07:47.779" v="1" actId="14100"/>
+      <pc:docMkLst>
+        <pc:docMk/>
+      </pc:docMkLst>
+      <pc:sldChg chg="modSp">
+        <pc:chgData name="" userId="123c3b8313b137e3" providerId="LiveId" clId="{5A112846-A06A-4136-AA17-9CC15FD52E5B}" dt="2021-06-14T00:07:47.779" v="1" actId="14100"/>
+        <pc:sldMkLst>
+          <pc:docMk/>
+          <pc:sldMk cId="2123752754" sldId="265"/>
+        </pc:sldMkLst>
+        <pc:spChg chg="mod">
+          <ac:chgData name="" userId="123c3b8313b137e3" providerId="LiveId" clId="{5A112846-A06A-4136-AA17-9CC15FD52E5B}" dt="2021-06-14T00:07:44.213" v="0" actId="1076"/>
+          <ac:spMkLst>
+            <pc:docMk/>
+            <pc:sldMk cId="2123752754" sldId="265"/>
+            <ac:spMk id="2" creationId="{59B0A475-975C-4628-AA95-148C6DBAE0B6}"/>
+          </ac:spMkLst>
+        </pc:spChg>
+        <pc:picChg chg="mod">
+          <ac:chgData name="" userId="123c3b8313b137e3" providerId="LiveId" clId="{5A112846-A06A-4136-AA17-9CC15FD52E5B}" dt="2021-06-14T00:07:47.779" v="1" actId="14100"/>
+          <ac:picMkLst>
+            <pc:docMk/>
+            <pc:sldMk cId="2123752754" sldId="265"/>
+            <ac:picMk id="4" creationId="{0ACEEB7E-487C-4AFD-8187-B13D2D8EEFF2}"/>
+          </ac:picMkLst>
+        </pc:picChg>
+      </pc:sldChg>
+    </pc:docChg>
+  </pc:docChgLst>
+</pc:chgInfo>
+</file>
+
 <file path=ppt/slideLayouts/slideLayout1.xml><?xml version="1.0" encoding="utf-8"?>
 <p:sldLayout xmlns:a="http://schemas.openxmlformats.org/drawingml/2006/main" xmlns:r="http://schemas.openxmlformats.org/officeDocument/2006/relationships" xmlns:p="http://schemas.openxmlformats.org/presentationml/2006/main" showMasterSp="0" type="title" preserve="1">
   <p:cSld name="제목 슬라이드">
@@ -311,7 +348,7 @@
           <a:p>
             <a:fld id="{58D2D78D-3B84-4C15-9754-4F72FB88263F}" type="datetimeFigureOut">
               <a:rPr lang="ko-KR" altLang="en-US" smtClean="0"/>
-              <a:t>2021-03-22</a:t>
+              <a:t>2021-06-14</a:t>
             </a:fld>
             <a:endParaRPr lang="ko-KR" altLang="en-US"/>
           </a:p>
@@ -747,7 +784,7 @@
           <a:p>
             <a:fld id="{58D2D78D-3B84-4C15-9754-4F72FB88263F}" type="datetimeFigureOut">
               <a:rPr lang="ko-KR" altLang="en-US" smtClean="0"/>
-              <a:t>2021-03-22</a:t>
+              <a:t>2021-06-14</a:t>
             </a:fld>
             <a:endParaRPr lang="ko-KR" altLang="en-US"/>
           </a:p>
@@ -997,7 +1034,7 @@
           <a:p>
             <a:fld id="{58D2D78D-3B84-4C15-9754-4F72FB88263F}" type="datetimeFigureOut">
               <a:rPr lang="ko-KR" altLang="en-US" smtClean="0"/>
-              <a:t>2021-03-22</a:t>
+              <a:t>2021-06-14</a:t>
             </a:fld>
             <a:endParaRPr lang="ko-KR" altLang="en-US"/>
           </a:p>
@@ -1305,7 +1342,7 @@
           <a:p>
             <a:fld id="{58D2D78D-3B84-4C15-9754-4F72FB88263F}" type="datetimeFigureOut">
               <a:rPr lang="ko-KR" altLang="en-US" smtClean="0"/>
-              <a:t>2021-03-22</a:t>
+              <a:t>2021-06-14</a:t>
             </a:fld>
             <a:endParaRPr lang="ko-KR" altLang="en-US"/>
           </a:p>
@@ -1623,7 +1660,7 @@
           <a:p>
             <a:fld id="{58D2D78D-3B84-4C15-9754-4F72FB88263F}" type="datetimeFigureOut">
               <a:rPr lang="ko-KR" altLang="en-US" smtClean="0"/>
-              <a:t>2021-03-22</a:t>
+              <a:t>2021-06-14</a:t>
             </a:fld>
             <a:endParaRPr lang="ko-KR" altLang="en-US"/>
           </a:p>
@@ -1925,7 +1962,7 @@
           <a:p>
             <a:fld id="{58D2D78D-3B84-4C15-9754-4F72FB88263F}" type="datetimeFigureOut">
               <a:rPr lang="ko-KR" altLang="en-US" smtClean="0"/>
-              <a:t>2021-03-22</a:t>
+              <a:t>2021-06-14</a:t>
             </a:fld>
             <a:endParaRPr lang="ko-KR" altLang="en-US"/>
           </a:p>
@@ -2292,7 +2329,7 @@
           <a:p>
             <a:fld id="{58D2D78D-3B84-4C15-9754-4F72FB88263F}" type="datetimeFigureOut">
               <a:rPr lang="ko-KR" altLang="en-US" smtClean="0"/>
-              <a:t>2021-03-22</a:t>
+              <a:t>2021-06-14</a:t>
             </a:fld>
             <a:endParaRPr lang="ko-KR" altLang="en-US"/>
           </a:p>
@@ -2466,7 +2503,7 @@
           <a:p>
             <a:fld id="{58D2D78D-3B84-4C15-9754-4F72FB88263F}" type="datetimeFigureOut">
               <a:rPr lang="ko-KR" altLang="en-US" smtClean="0"/>
-              <a:t>2021-03-22</a:t>
+              <a:t>2021-06-14</a:t>
             </a:fld>
             <a:endParaRPr lang="ko-KR" altLang="en-US"/>
           </a:p>
@@ -2646,7 +2683,7 @@
           <a:p>
             <a:fld id="{58D2D78D-3B84-4C15-9754-4F72FB88263F}" type="datetimeFigureOut">
               <a:rPr lang="ko-KR" altLang="en-US" smtClean="0"/>
-              <a:t>2021-03-22</a:t>
+              <a:t>2021-06-14</a:t>
             </a:fld>
             <a:endParaRPr lang="ko-KR" altLang="en-US"/>
           </a:p>
@@ -2816,7 +2853,7 @@
           <a:p>
             <a:fld id="{58D2D78D-3B84-4C15-9754-4F72FB88263F}" type="datetimeFigureOut">
               <a:rPr lang="ko-KR" altLang="en-US" smtClean="0"/>
-              <a:t>2021-03-22</a:t>
+              <a:t>2021-06-14</a:t>
             </a:fld>
             <a:endParaRPr lang="ko-KR" altLang="en-US"/>
           </a:p>
@@ -3066,7 +3103,7 @@
           <a:p>
             <a:fld id="{58D2D78D-3B84-4C15-9754-4F72FB88263F}" type="datetimeFigureOut">
               <a:rPr lang="ko-KR" altLang="en-US" smtClean="0"/>
-              <a:t>2021-03-22</a:t>
+              <a:t>2021-06-14</a:t>
             </a:fld>
             <a:endParaRPr lang="ko-KR" altLang="en-US"/>
           </a:p>
@@ -3302,7 +3339,7 @@
           <a:p>
             <a:fld id="{58D2D78D-3B84-4C15-9754-4F72FB88263F}" type="datetimeFigureOut">
               <a:rPr lang="ko-KR" altLang="en-US" smtClean="0"/>
-              <a:t>2021-03-22</a:t>
+              <a:t>2021-06-14</a:t>
             </a:fld>
             <a:endParaRPr lang="ko-KR" altLang="en-US"/>
           </a:p>
@@ -3684,7 +3721,7 @@
           <a:p>
             <a:fld id="{58D2D78D-3B84-4C15-9754-4F72FB88263F}" type="datetimeFigureOut">
               <a:rPr lang="ko-KR" altLang="en-US" smtClean="0"/>
-              <a:t>2021-03-22</a:t>
+              <a:t>2021-06-14</a:t>
             </a:fld>
             <a:endParaRPr lang="ko-KR" altLang="en-US"/>
           </a:p>
@@ -3802,7 +3839,7 @@
           <a:p>
             <a:fld id="{58D2D78D-3B84-4C15-9754-4F72FB88263F}" type="datetimeFigureOut">
               <a:rPr lang="ko-KR" altLang="en-US" smtClean="0"/>
-              <a:t>2021-03-22</a:t>
+              <a:t>2021-06-14</a:t>
             </a:fld>
             <a:endParaRPr lang="ko-KR" altLang="en-US"/>
           </a:p>
@@ -3897,7 +3934,7 @@
           <a:p>
             <a:fld id="{58D2D78D-3B84-4C15-9754-4F72FB88263F}" type="datetimeFigureOut">
               <a:rPr lang="ko-KR" altLang="en-US" smtClean="0"/>
-              <a:t>2021-03-22</a:t>
+              <a:t>2021-06-14</a:t>
             </a:fld>
             <a:endParaRPr lang="ko-KR" altLang="en-US"/>
           </a:p>
@@ -4152,7 +4189,7 @@
           <a:p>
             <a:fld id="{58D2D78D-3B84-4C15-9754-4F72FB88263F}" type="datetimeFigureOut">
               <a:rPr lang="ko-KR" altLang="en-US" smtClean="0"/>
-              <a:t>2021-03-22</a:t>
+              <a:t>2021-06-14</a:t>
             </a:fld>
             <a:endParaRPr lang="ko-KR" altLang="en-US"/>
           </a:p>
@@ -4435,7 +4472,7 @@
           <a:p>
             <a:fld id="{58D2D78D-3B84-4C15-9754-4F72FB88263F}" type="datetimeFigureOut">
               <a:rPr lang="ko-KR" altLang="en-US" smtClean="0"/>
-              <a:t>2021-03-22</a:t>
+              <a:t>2021-06-14</a:t>
             </a:fld>
             <a:endParaRPr lang="ko-KR" altLang="en-US"/>
           </a:p>
@@ -4841,7 +4878,7 @@
           <a:p>
             <a:fld id="{58D2D78D-3B84-4C15-9754-4F72FB88263F}" type="datetimeFigureOut">
               <a:rPr lang="ko-KR" altLang="en-US" smtClean="0"/>
-              <a:t>2021-03-22</a:t>
+              <a:t>2021-06-14</a:t>
             </a:fld>
             <a:endParaRPr lang="ko-KR" altLang="en-US"/>
           </a:p>
@@ -8347,7 +8384,12 @@
             <p:ph type="title"/>
           </p:nvPr>
         </p:nvSpPr>
-        <p:spPr/>
+        <p:spPr>
+          <a:xfrm>
+            <a:off x="684212" y="5046625"/>
+            <a:ext cx="8534400" cy="1507067"/>
+          </a:xfrm>
+        </p:spPr>
         <p:txBody>
           <a:bodyPr/>
           <a:lstStyle/>
@@ -8417,8 +8459,8 @@
         </p:blipFill>
         <p:spPr>
           <a:xfrm>
-            <a:off x="886611" y="1899820"/>
-            <a:ext cx="3339504" cy="3058873"/>
+            <a:off x="886610" y="1899820"/>
+            <a:ext cx="3854065" cy="3530194"/>
           </a:xfrm>
           <a:prstGeom prst="rect">
             <a:avLst/>
